--- a/BDM/05-linkanalysis2.pptx
+++ b/BDM/05-linkanalysis2.pptx
@@ -285,7 +285,7 @@
             <a:fld id="{D3E28C4F-4FE9-4D22-93D8-487A4D01D983}" type="datetimeFigureOut">
               <a:rPr lang="en-US" smtClean="0"/>
               <a:pPr/>
-              <a:t>11/20/2024</a:t>
+              <a:t>11/28/2025</a:t>
             </a:fld>
             <a:endParaRPr lang="en-US"/>
           </a:p>
@@ -452,7 +452,7 @@
             <a:fld id="{EE18CB36-612C-4E4A-AC83-E89476AEC2BF}" type="datetimeFigureOut">
               <a:rPr lang="en-US" smtClean="0"/>
               <a:pPr/>
-              <a:t>11/20/2024</a:t>
+              <a:t>11/28/2025</a:t>
             </a:fld>
             <a:endParaRPr lang="en-US"/>
           </a:p>
@@ -2019,7 +2019,7 @@
           <a:p>
             <a:fld id="{CC3BE7AE-DD51-4FF4-9FEA-AE59ACA28CEF}" type="datetime1">
               <a:rPr lang="en-US" smtClean="0"/>
-              <a:t>11/20/2024</a:t>
+              <a:t>11/28/2025</a:t>
             </a:fld>
             <a:endParaRPr lang="en-US"/>
           </a:p>
@@ -2240,7 +2240,7 @@
           <a:p>
             <a:fld id="{B9FF724D-03F6-48ED-B23D-3DF4E11415ED}" type="datetime1">
               <a:rPr lang="en-US" smtClean="0"/>
-              <a:t>11/20/2024</a:t>
+              <a:t>11/28/2025</a:t>
             </a:fld>
             <a:endParaRPr lang="en-US"/>
           </a:p>
@@ -2515,7 +2515,7 @@
           <a:p>
             <a:fld id="{B0FC5DCF-0067-405A-ACEC-C8A9B8E21D89}" type="datetime1">
               <a:rPr lang="en-US" smtClean="0"/>
-              <a:t>11/20/2024</a:t>
+              <a:t>11/28/2025</a:t>
             </a:fld>
             <a:endParaRPr lang="en-US"/>
           </a:p>
@@ -2730,7 +2730,7 @@
           <a:p>
             <a:fld id="{B7437D91-C054-4D62-860A-B6082E2041B8}" type="datetime1">
               <a:rPr lang="en-US" smtClean="0"/>
-              <a:t>11/20/2024</a:t>
+              <a:t>11/28/2025</a:t>
             </a:fld>
             <a:endParaRPr lang="en-GB"/>
           </a:p>
@@ -2991,7 +2991,7 @@
           <a:p>
             <a:fld id="{F2753548-80CE-4DE4-A73F-A28A7C997E88}" type="datetime1">
               <a:rPr lang="en-US" smtClean="0"/>
-              <a:t>11/20/2024</a:t>
+              <a:t>11/28/2025</a:t>
             </a:fld>
             <a:endParaRPr lang="en-US"/>
           </a:p>
@@ -3187,7 +3187,7 @@
           <a:p>
             <a:fld id="{632D2879-DC55-4F98-99A2-3E7E689A4264}" type="datetime1">
               <a:rPr lang="en-US" smtClean="0"/>
-              <a:t>11/20/2024</a:t>
+              <a:t>11/28/2025</a:t>
             </a:fld>
             <a:endParaRPr lang="en-US"/>
           </a:p>
@@ -3546,7 +3546,7 @@
           <a:p>
             <a:fld id="{3A983FDD-814D-4623-B1A3-77DA50628F86}" type="datetime1">
               <a:rPr lang="en-US" smtClean="0"/>
-              <a:t>11/20/2024</a:t>
+              <a:t>11/28/2025</a:t>
             </a:fld>
             <a:endParaRPr lang="en-US"/>
           </a:p>
@@ -3834,7 +3834,7 @@
           <a:p>
             <a:fld id="{380E625C-B8D7-4B5D-BF9E-5BCBA394D29E}" type="datetime1">
               <a:rPr lang="en-US" smtClean="0"/>
-              <a:t>11/20/2024</a:t>
+              <a:t>11/28/2025</a:t>
             </a:fld>
             <a:endParaRPr lang="en-US"/>
           </a:p>
@@ -4259,7 +4259,7 @@
           <a:p>
             <a:fld id="{A1405DD2-ECDC-44EC-8593-2D6CEBF30A99}" type="datetime1">
               <a:rPr lang="en-US" smtClean="0"/>
-              <a:t>11/20/2024</a:t>
+              <a:t>11/28/2025</a:t>
             </a:fld>
             <a:endParaRPr lang="en-US"/>
           </a:p>
@@ -4375,7 +4375,7 @@
           <a:p>
             <a:fld id="{E8F234CD-A05C-401C-8942-8EABB6C90ED9}" type="datetime1">
               <a:rPr lang="en-US" smtClean="0"/>
-              <a:t>11/20/2024</a:t>
+              <a:t>11/28/2025</a:t>
             </a:fld>
             <a:endParaRPr lang="en-US"/>
           </a:p>
@@ -4469,7 +4469,7 @@
           <a:p>
             <a:fld id="{A9ADCEE4-EB02-4B03-A8DC-82F0631DACAF}" type="datetime1">
               <a:rPr lang="en-US" smtClean="0"/>
-              <a:t>11/20/2024</a:t>
+              <a:t>11/28/2025</a:t>
             </a:fld>
             <a:endParaRPr lang="en-US"/>
           </a:p>
@@ -4750,7 +4750,7 @@
           <a:p>
             <a:fld id="{59C8F5E0-2FB6-4152-AE9F-2A1837CDB6CF}" type="datetime1">
               <a:rPr lang="en-US" smtClean="0"/>
-              <a:t>11/20/2024</a:t>
+              <a:t>11/28/2025</a:t>
             </a:fld>
             <a:endParaRPr lang="en-US"/>
           </a:p>
@@ -5115,7 +5115,7 @@
           <a:p>
             <a:fld id="{D1E835C2-A70F-4E48-BFFC-E5994226AABE}" type="datetime1">
               <a:rPr lang="en-US" smtClean="0"/>
-              <a:t>11/20/2024</a:t>
+              <a:t>11/28/2025</a:t>
             </a:fld>
             <a:endParaRPr lang="en-US"/>
           </a:p>
@@ -5544,7 +5544,7 @@
           <a:p>
             <a:fld id="{246AAE16-6429-4021-9255-E182F3DD715A}" type="datetime1">
               <a:rPr lang="en-US" smtClean="0"/>
-              <a:t>11/20/2024</a:t>
+              <a:t>11/28/2025</a:t>
             </a:fld>
             <a:endParaRPr lang="en-US"/>
           </a:p>
@@ -9450,7 +9450,7 @@
           <a:graphicData uri="http://schemas.openxmlformats.org/presentationml/2006/ole">
             <mc:AlternateContent xmlns:mc="http://schemas.openxmlformats.org/markup-compatibility/2006">
               <mc:Choice xmlns:v="urn:schemas-microsoft-com:vml" Requires="v">
-                <p:oleObj spid="_x0000_s55322" name="Visio" r:id="rId4" imgW="5183124" imgH="4207764" progId="">
+                <p:oleObj spid="_x0000_s55323" name="Visio" r:id="rId4" imgW="5183124" imgH="4207764" progId="">
                   <p:embed/>
                 </p:oleObj>
               </mc:Choice>
@@ -10475,7 +10475,7 @@
           <a:graphicData uri="http://schemas.openxmlformats.org/presentationml/2006/ole">
             <mc:AlternateContent xmlns:mc="http://schemas.openxmlformats.org/markup-compatibility/2006">
               <mc:Choice xmlns:v="urn:schemas-microsoft-com:vml" Requires="v">
-                <p:oleObj spid="_x0000_s56346" name="Visio" r:id="rId5" imgW="5183124" imgH="4207764" progId="">
+                <p:oleObj spid="_x0000_s56347" name="Visio" r:id="rId5" imgW="5183124" imgH="4207764" progId="">
                   <p:embed/>
                 </p:oleObj>
               </mc:Choice>
@@ -13187,7 +13187,7 @@
           <a:graphicData uri="http://schemas.openxmlformats.org/presentationml/2006/ole">
             <mc:AlternateContent xmlns:mc="http://schemas.openxmlformats.org/markup-compatibility/2006">
               <mc:Choice xmlns:v="urn:schemas-microsoft-com:vml" Requires="v">
-                <p:oleObj spid="_x0000_s57371" name="Visio" r:id="rId3" imgW="6046927" imgH="6439510" progId="">
+                <p:oleObj spid="_x0000_s57372" name="Visio" r:id="rId3" imgW="6046927" imgH="6439510" progId="">
                   <p:embed/>
                 </p:oleObj>
               </mc:Choice>
@@ -13893,7 +13893,7 @@
           <a:graphicData uri="http://schemas.openxmlformats.org/presentationml/2006/ole">
             <mc:AlternateContent xmlns:mc="http://schemas.openxmlformats.org/markup-compatibility/2006">
               <mc:Choice xmlns:v="urn:schemas-microsoft-com:vml" Requires="v">
-                <p:oleObj spid="_x0000_s58394" name="Visio" r:id="rId3" imgW="6626352" imgH="5899709" progId="">
+                <p:oleObj spid="_x0000_s58395" name="Visio" r:id="rId3" imgW="6626352" imgH="5899709" progId="">
                   <p:embed/>
                 </p:oleObj>
               </mc:Choice>
@@ -33152,7 +33152,7 @@
                 <a:latin typeface="Arial" pitchFamily="34" charset="0"/>
                 <a:cs typeface="Arial" pitchFamily="34" charset="0"/>
               </a:rPr>
-              <a:t>. </a:t>
+              <a:t> </a:t>
             </a:r>
           </a:p>
           <a:p>
@@ -33173,7 +33173,7 @@
                 <a:latin typeface="Arial" pitchFamily="34" charset="0"/>
                 <a:cs typeface="Arial" pitchFamily="34" charset="0"/>
               </a:rPr>
-              <a:t>But since we have dead-ends the amount of leaked PageRank may be larger. </a:t>
+              <a:t>But since we have dead-ends the amount of leaked PageRank may be larger </a:t>
             </a:r>
           </a:p>
           <a:p>
@@ -33206,16 +33206,13 @@
               </a:rPr>
               <a:t>S</a:t>
             </a:r>
-            <a:r>
-              <a:rPr lang="en-US" sz="1400" dirty="0">
-                <a:solidFill>
-                  <a:srgbClr val="008000"/>
-                </a:solidFill>
-                <a:latin typeface="Arial" pitchFamily="34" charset="0"/>
-                <a:cs typeface="Arial" pitchFamily="34" charset="0"/>
-              </a:rPr>
-              <a:t>.</a:t>
-            </a:r>
+            <a:endParaRPr lang="en-US" sz="1400" dirty="0">
+              <a:solidFill>
+                <a:srgbClr val="008000"/>
+              </a:solidFill>
+              <a:latin typeface="Arial" pitchFamily="34" charset="0"/>
+              <a:cs typeface="Arial" pitchFamily="34" charset="0"/>
+            </a:endParaRPr>
           </a:p>
         </p:txBody>
       </p:sp>
@@ -42115,7 +42112,7 @@
                 <a:latin typeface="Arial" pitchFamily="34" charset="0"/>
                 <a:cs typeface="Arial" pitchFamily="34" charset="0"/>
               </a:rPr>
-              <a:t>scores of nodes pointing to NYT.</a:t>
+              <a:t>scores of nodes pointing to NYT</a:t>
             </a:r>
           </a:p>
         </p:txBody>
@@ -42728,8 +42725,25 @@
                 <a:latin typeface="Arial" pitchFamily="34" charset="0"/>
                 <a:cs typeface="Arial" pitchFamily="34" charset="0"/>
               </a:rPr>
-              <a:t>Sum of authority scores of nodes that the node points to.</a:t>
-            </a:r>
+              <a:t>Sum of authority scores of nodes that the node </a:t>
+            </a:r>
+            <a:r>
+              <a:rPr lang="en-US">
+                <a:solidFill>
+                  <a:srgbClr val="008000"/>
+                </a:solidFill>
+                <a:latin typeface="Arial" pitchFamily="34" charset="0"/>
+                <a:cs typeface="Arial" pitchFamily="34" charset="0"/>
+              </a:rPr>
+              <a:t>points to</a:t>
+            </a:r>
+            <a:endParaRPr lang="en-US" dirty="0">
+              <a:solidFill>
+                <a:srgbClr val="008000"/>
+              </a:solidFill>
+              <a:latin typeface="Arial" pitchFamily="34" charset="0"/>
+              <a:cs typeface="Arial" pitchFamily="34" charset="0"/>
+            </a:endParaRPr>
           </a:p>
         </p:txBody>
       </p:sp>
